--- a/Documents/models.pptx
+++ b/Documents/models.pptx
@@ -5,10 +5,7 @@
     <p:sldMasterId id="2147483648" r:id="rId1"/>
   </p:sldMasterIdLst>
   <p:sldIdLst>
-    <p:sldId id="256" r:id="rId2"/>
-    <p:sldId id="257" r:id="rId3"/>
-    <p:sldId id="259" r:id="rId4"/>
-    <p:sldId id="260" r:id="rId5"/>
+    <p:sldId id="260" r:id="rId2"/>
   </p:sldIdLst>
   <p:sldSz cx="9144000" cy="6858000" type="screen4x3"/>
   <p:notesSz cx="6858000" cy="9144000"/>
@@ -291,7 +288,7 @@
           <a:p>
             <a:fld id="{706530B4-4EBD-49A7-831E-07F3E6D50FBC}" type="datetimeFigureOut">
               <a:rPr lang="pt-BR" smtClean="0"/>
-              <a:t>01/06/2018</a:t>
+              <a:t>25/06/2018</a:t>
             </a:fld>
             <a:endParaRPr lang="pt-BR"/>
           </a:p>
@@ -461,7 +458,7 @@
           <a:p>
             <a:fld id="{706530B4-4EBD-49A7-831E-07F3E6D50FBC}" type="datetimeFigureOut">
               <a:rPr lang="pt-BR" smtClean="0"/>
-              <a:t>01/06/2018</a:t>
+              <a:t>25/06/2018</a:t>
             </a:fld>
             <a:endParaRPr lang="pt-BR"/>
           </a:p>
@@ -641,7 +638,7 @@
           <a:p>
             <a:fld id="{706530B4-4EBD-49A7-831E-07F3E6D50FBC}" type="datetimeFigureOut">
               <a:rPr lang="pt-BR" smtClean="0"/>
-              <a:t>01/06/2018</a:t>
+              <a:t>25/06/2018</a:t>
             </a:fld>
             <a:endParaRPr lang="pt-BR"/>
           </a:p>
@@ -811,7 +808,7 @@
           <a:p>
             <a:fld id="{706530B4-4EBD-49A7-831E-07F3E6D50FBC}" type="datetimeFigureOut">
               <a:rPr lang="pt-BR" smtClean="0"/>
-              <a:t>01/06/2018</a:t>
+              <a:t>25/06/2018</a:t>
             </a:fld>
             <a:endParaRPr lang="pt-BR"/>
           </a:p>
@@ -1057,7 +1054,7 @@
           <a:p>
             <a:fld id="{706530B4-4EBD-49A7-831E-07F3E6D50FBC}" type="datetimeFigureOut">
               <a:rPr lang="pt-BR" smtClean="0"/>
-              <a:t>01/06/2018</a:t>
+              <a:t>25/06/2018</a:t>
             </a:fld>
             <a:endParaRPr lang="pt-BR"/>
           </a:p>
@@ -1345,7 +1342,7 @@
           <a:p>
             <a:fld id="{706530B4-4EBD-49A7-831E-07F3E6D50FBC}" type="datetimeFigureOut">
               <a:rPr lang="pt-BR" smtClean="0"/>
-              <a:t>01/06/2018</a:t>
+              <a:t>25/06/2018</a:t>
             </a:fld>
             <a:endParaRPr lang="pt-BR"/>
           </a:p>
@@ -1767,7 +1764,7 @@
           <a:p>
             <a:fld id="{706530B4-4EBD-49A7-831E-07F3E6D50FBC}" type="datetimeFigureOut">
               <a:rPr lang="pt-BR" smtClean="0"/>
-              <a:t>01/06/2018</a:t>
+              <a:t>25/06/2018</a:t>
             </a:fld>
             <a:endParaRPr lang="pt-BR"/>
           </a:p>
@@ -1885,7 +1882,7 @@
           <a:p>
             <a:fld id="{706530B4-4EBD-49A7-831E-07F3E6D50FBC}" type="datetimeFigureOut">
               <a:rPr lang="pt-BR" smtClean="0"/>
-              <a:t>01/06/2018</a:t>
+              <a:t>25/06/2018</a:t>
             </a:fld>
             <a:endParaRPr lang="pt-BR"/>
           </a:p>
@@ -1980,7 +1977,7 @@
           <a:p>
             <a:fld id="{706530B4-4EBD-49A7-831E-07F3E6D50FBC}" type="datetimeFigureOut">
               <a:rPr lang="pt-BR" smtClean="0"/>
-              <a:t>01/06/2018</a:t>
+              <a:t>25/06/2018</a:t>
             </a:fld>
             <a:endParaRPr lang="pt-BR"/>
           </a:p>
@@ -2257,7 +2254,7 @@
           <a:p>
             <a:fld id="{706530B4-4EBD-49A7-831E-07F3E6D50FBC}" type="datetimeFigureOut">
               <a:rPr lang="pt-BR" smtClean="0"/>
-              <a:t>01/06/2018</a:t>
+              <a:t>25/06/2018</a:t>
             </a:fld>
             <a:endParaRPr lang="pt-BR"/>
           </a:p>
@@ -2510,7 +2507,7 @@
           <a:p>
             <a:fld id="{706530B4-4EBD-49A7-831E-07F3E6D50FBC}" type="datetimeFigureOut">
               <a:rPr lang="pt-BR" smtClean="0"/>
-              <a:t>01/06/2018</a:t>
+              <a:t>25/06/2018</a:t>
             </a:fld>
             <a:endParaRPr lang="pt-BR"/>
           </a:p>
@@ -2729,7 +2726,7 @@
           <a:p>
             <a:fld id="{706530B4-4EBD-49A7-831E-07F3E6D50FBC}" type="datetimeFigureOut">
               <a:rPr lang="pt-BR" smtClean="0"/>
-              <a:t>01/06/2018</a:t>
+              <a:t>25/06/2018</a:t>
             </a:fld>
             <a:endParaRPr lang="pt-BR"/>
           </a:p>
@@ -3088,1703 +3085,6 @@
 </file>
 
 <file path=ppt/slides/slide1.xml><?xml version="1.0" encoding="utf-8"?>
-<p:sld xmlns:a="http://schemas.openxmlformats.org/drawingml/2006/main" xmlns:r="http://schemas.openxmlformats.org/officeDocument/2006/relationships" xmlns:p="http://schemas.openxmlformats.org/presentationml/2006/main">
-  <p:cSld>
-    <p:spTree>
-      <p:nvGrpSpPr>
-        <p:cNvPr id="1" name=""/>
-        <p:cNvGrpSpPr/>
-        <p:nvPr/>
-      </p:nvGrpSpPr>
-      <p:grpSpPr>
-        <a:xfrm>
-          <a:off x="0" y="0"/>
-          <a:ext cx="0" cy="0"/>
-          <a:chOff x="0" y="0"/>
-          <a:chExt cx="0" cy="0"/>
-        </a:xfrm>
-      </p:grpSpPr>
-      <p:pic>
-        <p:nvPicPr>
-          <p:cNvPr id="1028" name="Picture 4" descr="C:\Users\Eduardo\Documents\Projects\ProntuBox - AC8\prontubox\Media\logo_black.png"/>
-          <p:cNvPicPr>
-            <a:picLocks noChangeAspect="1" noChangeArrowheads="1"/>
-          </p:cNvPicPr>
-          <p:nvPr/>
-        </p:nvPicPr>
-        <p:blipFill>
-          <a:blip r:embed="rId2" cstate="print">
-            <a:extLst>
-              <a:ext uri="{28A0092B-C50C-407E-A947-70E740481C1C}">
-                <a14:useLocalDpi xmlns:a14="http://schemas.microsoft.com/office/drawing/2010/main" val="0"/>
-              </a:ext>
-            </a:extLst>
-          </a:blip>
-          <a:srcRect/>
-          <a:stretch>
-            <a:fillRect/>
-          </a:stretch>
-        </p:blipFill>
-        <p:spPr bwMode="auto">
-          <a:xfrm>
-            <a:off x="6372200" y="28179"/>
-            <a:ext cx="2771800" cy="833475"/>
-          </a:xfrm>
-          <a:prstGeom prst="rect">
-            <a:avLst/>
-          </a:prstGeom>
-          <a:noFill/>
-          <a:extLst>
-            <a:ext uri="{909E8E84-426E-40DD-AFC4-6F175D3DCCD1}">
-              <a14:hiddenFill xmlns:a14="http://schemas.microsoft.com/office/drawing/2010/main">
-                <a:solidFill>
-                  <a:srgbClr val="FFFFFF"/>
-                </a:solidFill>
-              </a14:hiddenFill>
-            </a:ext>
-          </a:extLst>
-        </p:spPr>
-      </p:pic>
-      <p:sp>
-        <p:nvSpPr>
-          <p:cNvPr id="4" name="CaixaDeTexto 3"/>
-          <p:cNvSpPr txBox="1"/>
-          <p:nvPr/>
-        </p:nvSpPr>
-        <p:spPr>
-          <a:xfrm>
-            <a:off x="147936" y="974631"/>
-            <a:ext cx="8888560" cy="707886"/>
-          </a:xfrm>
-          <a:prstGeom prst="rect">
-            <a:avLst/>
-          </a:prstGeom>
-          <a:noFill/>
-        </p:spPr>
-        <p:txBody>
-          <a:bodyPr wrap="square" rtlCol="0">
-            <a:spAutoFit/>
-          </a:bodyPr>
-          <a:lstStyle/>
-          <a:p>
-            <a:pPr algn="ctr"/>
-            <a:r>
-              <a:rPr lang="pt-BR" sz="4000" dirty="0" smtClean="0">
-                <a:solidFill>
-                  <a:schemeClr val="bg1">
-                    <a:lumMod val="95000"/>
-                  </a:schemeClr>
-                </a:solidFill>
-                <a:latin typeface="Britannic Bold" panose="020B0903060703020204" pitchFamily="34" charset="0"/>
-              </a:rPr>
-              <a:t>Arquitetura do projeto</a:t>
-            </a:r>
-            <a:endParaRPr lang="pt-BR" sz="4000" dirty="0">
-              <a:solidFill>
-                <a:schemeClr val="bg1">
-                  <a:lumMod val="95000"/>
-                </a:schemeClr>
-              </a:solidFill>
-              <a:latin typeface="Britannic Bold" panose="020B0903060703020204" pitchFamily="34" charset="0"/>
-            </a:endParaRPr>
-          </a:p>
-        </p:txBody>
-      </p:sp>
-      <p:sp>
-        <p:nvSpPr>
-          <p:cNvPr id="5" name="Retângulo de cantos arredondados 4"/>
-          <p:cNvSpPr/>
-          <p:nvPr/>
-        </p:nvSpPr>
-        <p:spPr>
-          <a:xfrm>
-            <a:off x="147936" y="2439000"/>
-            <a:ext cx="2160000" cy="1980000"/>
-          </a:xfrm>
-          <a:prstGeom prst="roundRect">
-            <a:avLst/>
-          </a:prstGeom>
-          <a:solidFill>
-            <a:schemeClr val="bg2">
-              <a:lumMod val="75000"/>
-            </a:schemeClr>
-          </a:solidFill>
-          <a:ln>
-            <a:solidFill>
-              <a:schemeClr val="tx1">
-                <a:lumMod val="95000"/>
-                <a:lumOff val="5000"/>
-              </a:schemeClr>
-            </a:solidFill>
-          </a:ln>
-        </p:spPr>
-        <p:style>
-          <a:lnRef idx="2">
-            <a:schemeClr val="accent1">
-              <a:shade val="50000"/>
-            </a:schemeClr>
-          </a:lnRef>
-          <a:fillRef idx="1">
-            <a:schemeClr val="accent1"/>
-          </a:fillRef>
-          <a:effectRef idx="0">
-            <a:schemeClr val="accent1"/>
-          </a:effectRef>
-          <a:fontRef idx="minor">
-            <a:schemeClr val="lt1"/>
-          </a:fontRef>
-        </p:style>
-        <p:txBody>
-          <a:bodyPr rtlCol="0" anchor="ctr"/>
-          <a:lstStyle/>
-          <a:p>
-            <a:pPr algn="ctr"/>
-            <a:endParaRPr lang="pt-BR"/>
-          </a:p>
-        </p:txBody>
-      </p:sp>
-      <p:sp>
-        <p:nvSpPr>
-          <p:cNvPr id="8" name="Seta para a esquerda e para a direita 7"/>
-          <p:cNvSpPr/>
-          <p:nvPr/>
-        </p:nvSpPr>
-        <p:spPr>
-          <a:xfrm>
-            <a:off x="2307936" y="3140968"/>
-            <a:ext cx="1204280" cy="576064"/>
-          </a:xfrm>
-          <a:prstGeom prst="leftRightArrow">
-            <a:avLst/>
-          </a:prstGeom>
-          <a:solidFill>
-            <a:schemeClr val="bg1"/>
-          </a:solidFill>
-          <a:ln>
-            <a:solidFill>
-              <a:schemeClr val="tx1"/>
-            </a:solidFill>
-          </a:ln>
-        </p:spPr>
-        <p:style>
-          <a:lnRef idx="2">
-            <a:schemeClr val="accent1">
-              <a:shade val="50000"/>
-            </a:schemeClr>
-          </a:lnRef>
-          <a:fillRef idx="1">
-            <a:schemeClr val="accent1"/>
-          </a:fillRef>
-          <a:effectRef idx="0">
-            <a:schemeClr val="accent1"/>
-          </a:effectRef>
-          <a:fontRef idx="minor">
-            <a:schemeClr val="lt1"/>
-          </a:fontRef>
-        </p:style>
-        <p:txBody>
-          <a:bodyPr rtlCol="0" anchor="ctr"/>
-          <a:lstStyle/>
-          <a:p>
-            <a:pPr algn="ctr"/>
-            <a:endParaRPr lang="pt-BR"/>
-          </a:p>
-        </p:txBody>
-      </p:sp>
-      <p:sp>
-        <p:nvSpPr>
-          <p:cNvPr id="12" name="Retângulo de cantos arredondados 11"/>
-          <p:cNvSpPr/>
-          <p:nvPr/>
-        </p:nvSpPr>
-        <p:spPr>
-          <a:xfrm>
-            <a:off x="3512216" y="2439000"/>
-            <a:ext cx="2160000" cy="1980000"/>
-          </a:xfrm>
-          <a:prstGeom prst="roundRect">
-            <a:avLst/>
-          </a:prstGeom>
-          <a:solidFill>
-            <a:schemeClr val="bg2">
-              <a:lumMod val="75000"/>
-            </a:schemeClr>
-          </a:solidFill>
-          <a:ln>
-            <a:solidFill>
-              <a:schemeClr val="tx1">
-                <a:lumMod val="95000"/>
-                <a:lumOff val="5000"/>
-              </a:schemeClr>
-            </a:solidFill>
-          </a:ln>
-        </p:spPr>
-        <p:style>
-          <a:lnRef idx="2">
-            <a:schemeClr val="accent1">
-              <a:shade val="50000"/>
-            </a:schemeClr>
-          </a:lnRef>
-          <a:fillRef idx="1">
-            <a:schemeClr val="accent1"/>
-          </a:fillRef>
-          <a:effectRef idx="0">
-            <a:schemeClr val="accent1"/>
-          </a:effectRef>
-          <a:fontRef idx="minor">
-            <a:schemeClr val="lt1"/>
-          </a:fontRef>
-        </p:style>
-        <p:txBody>
-          <a:bodyPr rtlCol="0" anchor="ctr"/>
-          <a:lstStyle/>
-          <a:p>
-            <a:pPr algn="ctr"/>
-            <a:endParaRPr lang="pt-BR"/>
-          </a:p>
-        </p:txBody>
-      </p:sp>
-      <p:sp>
-        <p:nvSpPr>
-          <p:cNvPr id="13" name="Retângulo de cantos arredondados 12"/>
-          <p:cNvSpPr/>
-          <p:nvPr/>
-        </p:nvSpPr>
-        <p:spPr>
-          <a:xfrm>
-            <a:off x="6876496" y="2420888"/>
-            <a:ext cx="2160000" cy="1980000"/>
-          </a:xfrm>
-          <a:prstGeom prst="roundRect">
-            <a:avLst/>
-          </a:prstGeom>
-          <a:solidFill>
-            <a:schemeClr val="bg2">
-              <a:lumMod val="75000"/>
-            </a:schemeClr>
-          </a:solidFill>
-          <a:ln>
-            <a:solidFill>
-              <a:schemeClr val="tx1">
-                <a:lumMod val="95000"/>
-                <a:lumOff val="5000"/>
-              </a:schemeClr>
-            </a:solidFill>
-          </a:ln>
-        </p:spPr>
-        <p:style>
-          <a:lnRef idx="2">
-            <a:schemeClr val="accent1">
-              <a:shade val="50000"/>
-            </a:schemeClr>
-          </a:lnRef>
-          <a:fillRef idx="1">
-            <a:schemeClr val="accent1"/>
-          </a:fillRef>
-          <a:effectRef idx="0">
-            <a:schemeClr val="accent1"/>
-          </a:effectRef>
-          <a:fontRef idx="minor">
-            <a:schemeClr val="lt1"/>
-          </a:fontRef>
-        </p:style>
-        <p:txBody>
-          <a:bodyPr rtlCol="0" anchor="ctr"/>
-          <a:lstStyle/>
-          <a:p>
-            <a:pPr algn="ctr"/>
-            <a:endParaRPr lang="pt-BR"/>
-          </a:p>
-        </p:txBody>
-      </p:sp>
-      <p:sp>
-        <p:nvSpPr>
-          <p:cNvPr id="14" name="Seta para a esquerda e para a direita 13"/>
-          <p:cNvSpPr/>
-          <p:nvPr/>
-        </p:nvSpPr>
-        <p:spPr>
-          <a:xfrm>
-            <a:off x="5672216" y="3122856"/>
-            <a:ext cx="1204280" cy="576064"/>
-          </a:xfrm>
-          <a:prstGeom prst="leftRightArrow">
-            <a:avLst/>
-          </a:prstGeom>
-          <a:solidFill>
-            <a:schemeClr val="bg1"/>
-          </a:solidFill>
-          <a:ln>
-            <a:solidFill>
-              <a:schemeClr val="tx1"/>
-            </a:solidFill>
-          </a:ln>
-        </p:spPr>
-        <p:style>
-          <a:lnRef idx="2">
-            <a:schemeClr val="accent1">
-              <a:shade val="50000"/>
-            </a:schemeClr>
-          </a:lnRef>
-          <a:fillRef idx="1">
-            <a:schemeClr val="accent1"/>
-          </a:fillRef>
-          <a:effectRef idx="0">
-            <a:schemeClr val="accent1"/>
-          </a:effectRef>
-          <a:fontRef idx="minor">
-            <a:schemeClr val="lt1"/>
-          </a:fontRef>
-        </p:style>
-        <p:txBody>
-          <a:bodyPr rtlCol="0" anchor="ctr"/>
-          <a:lstStyle/>
-          <a:p>
-            <a:pPr algn="ctr"/>
-            <a:endParaRPr lang="pt-BR"/>
-          </a:p>
-        </p:txBody>
-      </p:sp>
-      <p:pic>
-        <p:nvPicPr>
-          <p:cNvPr id="1029" name="Picture 5" descr="C:\Users\Eduardo\Downloads\1200px-Node.js_logo.svg.png"/>
-          <p:cNvPicPr>
-            <a:picLocks noChangeAspect="1" noChangeArrowheads="1"/>
-          </p:cNvPicPr>
-          <p:nvPr/>
-        </p:nvPicPr>
-        <p:blipFill>
-          <a:blip r:embed="rId3" cstate="print">
-            <a:extLst>
-              <a:ext uri="{28A0092B-C50C-407E-A947-70E740481C1C}">
-                <a14:useLocalDpi xmlns:a14="http://schemas.microsoft.com/office/drawing/2010/main" val="0"/>
-              </a:ext>
-            </a:extLst>
-          </a:blip>
-          <a:srcRect/>
-          <a:stretch>
-            <a:fillRect/>
-          </a:stretch>
-        </p:blipFill>
-        <p:spPr bwMode="auto">
-          <a:xfrm>
-            <a:off x="3615773" y="3150321"/>
-            <a:ext cx="1952885" cy="1194515"/>
-          </a:xfrm>
-          <a:prstGeom prst="rect">
-            <a:avLst/>
-          </a:prstGeom>
-          <a:noFill/>
-          <a:extLst>
-            <a:ext uri="{909E8E84-426E-40DD-AFC4-6F175D3DCCD1}">
-              <a14:hiddenFill xmlns:a14="http://schemas.microsoft.com/office/drawing/2010/main">
-                <a:solidFill>
-                  <a:srgbClr val="FFFFFF"/>
-                </a:solidFill>
-              </a14:hiddenFill>
-            </a:ext>
-          </a:extLst>
-        </p:spPr>
-      </p:pic>
-      <p:pic>
-        <p:nvPicPr>
-          <p:cNvPr id="1030" name="Picture 6" descr="C:\Users\Eduardo\Downloads\mysql-logo_2800x2800_pixels1.png"/>
-          <p:cNvPicPr>
-            <a:picLocks noChangeAspect="1" noChangeArrowheads="1"/>
-          </p:cNvPicPr>
-          <p:nvPr/>
-        </p:nvPicPr>
-        <p:blipFill>
-          <a:blip r:embed="rId4" cstate="print">
-            <a:extLst>
-              <a:ext uri="{28A0092B-C50C-407E-A947-70E740481C1C}">
-                <a14:useLocalDpi xmlns:a14="http://schemas.microsoft.com/office/drawing/2010/main" val="0"/>
-              </a:ext>
-            </a:extLst>
-          </a:blip>
-          <a:srcRect/>
-          <a:stretch>
-            <a:fillRect/>
-          </a:stretch>
-        </p:blipFill>
-        <p:spPr bwMode="auto">
-          <a:xfrm>
-            <a:off x="83243" y="2420888"/>
-            <a:ext cx="2289386" cy="2289386"/>
-          </a:xfrm>
-          <a:prstGeom prst="rect">
-            <a:avLst/>
-          </a:prstGeom>
-          <a:noFill/>
-          <a:extLst>
-            <a:ext uri="{909E8E84-426E-40DD-AFC4-6F175D3DCCD1}">
-              <a14:hiddenFill xmlns:a14="http://schemas.microsoft.com/office/drawing/2010/main">
-                <a:solidFill>
-                  <a:srgbClr val="FFFFFF"/>
-                </a:solidFill>
-              </a14:hiddenFill>
-            </a:ext>
-          </a:extLst>
-        </p:spPr>
-      </p:pic>
-      <p:pic>
-        <p:nvPicPr>
-          <p:cNvPr id="1031" name="Picture 7" descr="C:\Users\Eduardo\Downloads\angularjs-logo.png"/>
-          <p:cNvPicPr>
-            <a:picLocks noChangeAspect="1" noChangeArrowheads="1"/>
-          </p:cNvPicPr>
-          <p:nvPr/>
-        </p:nvPicPr>
-        <p:blipFill>
-          <a:blip r:embed="rId5" cstate="print">
-            <a:extLst>
-              <a:ext uri="{28A0092B-C50C-407E-A947-70E740481C1C}">
-                <a14:useLocalDpi xmlns:a14="http://schemas.microsoft.com/office/drawing/2010/main" val="0"/>
-              </a:ext>
-            </a:extLst>
-          </a:blip>
-          <a:srcRect/>
-          <a:stretch>
-            <a:fillRect/>
-          </a:stretch>
-        </p:blipFill>
-        <p:spPr bwMode="auto">
-          <a:xfrm>
-            <a:off x="6871979" y="2926469"/>
-            <a:ext cx="2164081" cy="1422110"/>
-          </a:xfrm>
-          <a:prstGeom prst="rect">
-            <a:avLst/>
-          </a:prstGeom>
-          <a:noFill/>
-          <a:extLst>
-            <a:ext uri="{909E8E84-426E-40DD-AFC4-6F175D3DCCD1}">
-              <a14:hiddenFill xmlns:a14="http://schemas.microsoft.com/office/drawing/2010/main">
-                <a:solidFill>
-                  <a:srgbClr val="FFFFFF"/>
-                </a:solidFill>
-              </a14:hiddenFill>
-            </a:ext>
-          </a:extLst>
-        </p:spPr>
-      </p:pic>
-      <p:sp>
-        <p:nvSpPr>
-          <p:cNvPr id="9" name="CaixaDeTexto 8"/>
-          <p:cNvSpPr txBox="1"/>
-          <p:nvPr/>
-        </p:nvSpPr>
-        <p:spPr>
-          <a:xfrm>
-            <a:off x="147936" y="2564904"/>
-            <a:ext cx="2160000" cy="400110"/>
-          </a:xfrm>
-          <a:prstGeom prst="rect">
-            <a:avLst/>
-          </a:prstGeom>
-          <a:noFill/>
-        </p:spPr>
-        <p:txBody>
-          <a:bodyPr wrap="square" rtlCol="0">
-            <a:spAutoFit/>
-          </a:bodyPr>
-          <a:lstStyle/>
-          <a:p>
-            <a:pPr algn="ctr"/>
-            <a:r>
-              <a:rPr lang="pt-BR" sz="2000" dirty="0" smtClean="0">
-                <a:latin typeface="Britannic Bold" panose="020B0903060703020204" pitchFamily="34" charset="0"/>
-              </a:rPr>
-              <a:t>Banco de dados</a:t>
-            </a:r>
-            <a:endParaRPr lang="pt-BR" sz="2000" dirty="0">
-              <a:latin typeface="Britannic Bold" panose="020B0903060703020204" pitchFamily="34" charset="0"/>
-            </a:endParaRPr>
-          </a:p>
-        </p:txBody>
-      </p:sp>
-      <p:sp>
-        <p:nvSpPr>
-          <p:cNvPr id="19" name="CaixaDeTexto 18"/>
-          <p:cNvSpPr txBox="1"/>
-          <p:nvPr/>
-        </p:nvSpPr>
-        <p:spPr>
-          <a:xfrm>
-            <a:off x="3512216" y="2564904"/>
-            <a:ext cx="2160000" cy="400110"/>
-          </a:xfrm>
-          <a:prstGeom prst="rect">
-            <a:avLst/>
-          </a:prstGeom>
-          <a:noFill/>
-        </p:spPr>
-        <p:txBody>
-          <a:bodyPr wrap="square" rtlCol="0">
-            <a:spAutoFit/>
-          </a:bodyPr>
-          <a:lstStyle/>
-          <a:p>
-            <a:pPr algn="ctr"/>
-            <a:r>
-              <a:rPr lang="pt-BR" sz="2000" dirty="0" smtClean="0">
-                <a:latin typeface="Britannic Bold" panose="020B0903060703020204" pitchFamily="34" charset="0"/>
-              </a:rPr>
-              <a:t>Back-</a:t>
-            </a:r>
-            <a:r>
-              <a:rPr lang="pt-BR" sz="2000" dirty="0" err="1" smtClean="0">
-                <a:latin typeface="Britannic Bold" panose="020B0903060703020204" pitchFamily="34" charset="0"/>
-              </a:rPr>
-              <a:t>end</a:t>
-            </a:r>
-            <a:endParaRPr lang="pt-BR" sz="2000" dirty="0">
-              <a:latin typeface="Britannic Bold" panose="020B0903060703020204" pitchFamily="34" charset="0"/>
-            </a:endParaRPr>
-          </a:p>
-        </p:txBody>
-      </p:sp>
-      <p:sp>
-        <p:nvSpPr>
-          <p:cNvPr id="20" name="CaixaDeTexto 19"/>
-          <p:cNvSpPr txBox="1"/>
-          <p:nvPr/>
-        </p:nvSpPr>
-        <p:spPr>
-          <a:xfrm>
-            <a:off x="6871979" y="2564904"/>
-            <a:ext cx="2160000" cy="400110"/>
-          </a:xfrm>
-          <a:prstGeom prst="rect">
-            <a:avLst/>
-          </a:prstGeom>
-          <a:noFill/>
-        </p:spPr>
-        <p:txBody>
-          <a:bodyPr wrap="square" rtlCol="0">
-            <a:spAutoFit/>
-          </a:bodyPr>
-          <a:lstStyle/>
-          <a:p>
-            <a:pPr algn="ctr"/>
-            <a:r>
-              <a:rPr lang="pt-BR" sz="2000" dirty="0" smtClean="0">
-                <a:latin typeface="Britannic Bold" panose="020B0903060703020204" pitchFamily="34" charset="0"/>
-              </a:rPr>
-              <a:t>Front-</a:t>
-            </a:r>
-            <a:r>
-              <a:rPr lang="pt-BR" sz="2000" dirty="0" err="1" smtClean="0">
-                <a:latin typeface="Britannic Bold" panose="020B0903060703020204" pitchFamily="34" charset="0"/>
-              </a:rPr>
-              <a:t>end</a:t>
-            </a:r>
-            <a:endParaRPr lang="pt-BR" sz="2000" dirty="0">
-              <a:latin typeface="Britannic Bold" panose="020B0903060703020204" pitchFamily="34" charset="0"/>
-            </a:endParaRPr>
-          </a:p>
-        </p:txBody>
-      </p:sp>
-    </p:spTree>
-    <p:extLst>
-      <p:ext uri="{BB962C8B-B14F-4D97-AF65-F5344CB8AC3E}">
-        <p14:creationId xmlns:p14="http://schemas.microsoft.com/office/powerpoint/2010/main" val="3737921941"/>
-      </p:ext>
-    </p:extLst>
-  </p:cSld>
-  <p:clrMapOvr>
-    <a:masterClrMapping/>
-  </p:clrMapOvr>
-  <p:timing>
-    <p:tnLst>
-      <p:par>
-        <p:cTn id="1" dur="indefinite" restart="never" nodeType="tmRoot"/>
-      </p:par>
-    </p:tnLst>
-  </p:timing>
-</p:sld>
-</file>
-
-<file path=ppt/slides/slide2.xml><?xml version="1.0" encoding="utf-8"?>
-<p:sld xmlns:a="http://schemas.openxmlformats.org/drawingml/2006/main" xmlns:r="http://schemas.openxmlformats.org/officeDocument/2006/relationships" xmlns:p="http://schemas.openxmlformats.org/presentationml/2006/main">
-  <p:cSld>
-    <p:spTree>
-      <p:nvGrpSpPr>
-        <p:cNvPr id="1" name=""/>
-        <p:cNvGrpSpPr/>
-        <p:nvPr/>
-      </p:nvGrpSpPr>
-      <p:grpSpPr>
-        <a:xfrm>
-          <a:off x="0" y="0"/>
-          <a:ext cx="0" cy="0"/>
-          <a:chOff x="0" y="0"/>
-          <a:chExt cx="0" cy="0"/>
-        </a:xfrm>
-      </p:grpSpPr>
-      <p:sp>
-        <p:nvSpPr>
-          <p:cNvPr id="4" name="CaixaDeTexto 3"/>
-          <p:cNvSpPr txBox="1"/>
-          <p:nvPr/>
-        </p:nvSpPr>
-        <p:spPr>
-          <a:xfrm>
-            <a:off x="147936" y="129406"/>
-            <a:ext cx="8888560" cy="923330"/>
-          </a:xfrm>
-          <a:prstGeom prst="rect">
-            <a:avLst/>
-          </a:prstGeom>
-          <a:ln>
-            <a:solidFill>
-              <a:schemeClr val="tx1">
-                <a:lumMod val="85000"/>
-                <a:lumOff val="15000"/>
-              </a:schemeClr>
-            </a:solidFill>
-          </a:ln>
-        </p:spPr>
-        <p:style>
-          <a:lnRef idx="2">
-            <a:schemeClr val="accent2"/>
-          </a:lnRef>
-          <a:fillRef idx="1">
-            <a:schemeClr val="lt1"/>
-          </a:fillRef>
-          <a:effectRef idx="0">
-            <a:schemeClr val="accent2"/>
-          </a:effectRef>
-          <a:fontRef idx="minor">
-            <a:schemeClr val="dk1"/>
-          </a:fontRef>
-        </p:style>
-        <p:txBody>
-          <a:bodyPr wrap="square" rtlCol="0">
-            <a:spAutoFit/>
-          </a:bodyPr>
-          <a:lstStyle/>
-          <a:p>
-            <a:pPr algn="ctr"/>
-            <a:r>
-              <a:rPr lang="pt-BR" sz="5400" dirty="0" smtClean="0">
-                <a:ln w="19050">
-                  <a:solidFill>
-                    <a:schemeClr val="tx1">
-                      <a:lumMod val="85000"/>
-                      <a:lumOff val="15000"/>
-                    </a:schemeClr>
-                  </a:solidFill>
-                </a:ln>
-                <a:solidFill>
-                  <a:srgbClr val="D80027"/>
-                </a:solidFill>
-                <a:latin typeface="Segoe UI Black" panose="020B0A02040204020203" pitchFamily="34" charset="0"/>
-                <a:ea typeface="Segoe UI Black" panose="020B0A02040204020203" pitchFamily="34" charset="0"/>
-                <a:cs typeface="Segoe UI Black" panose="020B0A02040204020203" pitchFamily="34" charset="0"/>
-              </a:rPr>
-              <a:t>Arquitetura do projeto</a:t>
-            </a:r>
-            <a:endParaRPr lang="pt-BR" sz="5400" dirty="0">
-              <a:ln w="19050">
-                <a:solidFill>
-                  <a:schemeClr val="tx1">
-                    <a:lumMod val="85000"/>
-                    <a:lumOff val="15000"/>
-                  </a:schemeClr>
-                </a:solidFill>
-              </a:ln>
-              <a:solidFill>
-                <a:srgbClr val="D80027"/>
-              </a:solidFill>
-              <a:latin typeface="Segoe UI Black" panose="020B0A02040204020203" pitchFamily="34" charset="0"/>
-              <a:ea typeface="Segoe UI Black" panose="020B0A02040204020203" pitchFamily="34" charset="0"/>
-              <a:cs typeface="Segoe UI Black" panose="020B0A02040204020203" pitchFamily="34" charset="0"/>
-            </a:endParaRPr>
-          </a:p>
-        </p:txBody>
-      </p:sp>
-      <p:sp>
-        <p:nvSpPr>
-          <p:cNvPr id="5" name="Retângulo de cantos arredondados 4"/>
-          <p:cNvSpPr/>
-          <p:nvPr/>
-        </p:nvSpPr>
-        <p:spPr>
-          <a:xfrm>
-            <a:off x="147936" y="2439000"/>
-            <a:ext cx="2160000" cy="1980000"/>
-          </a:xfrm>
-          <a:prstGeom prst="roundRect">
-            <a:avLst/>
-          </a:prstGeom>
-          <a:solidFill>
-            <a:schemeClr val="bg1"/>
-          </a:solidFill>
-          <a:ln>
-            <a:solidFill>
-              <a:srgbClr val="D80027"/>
-            </a:solidFill>
-          </a:ln>
-        </p:spPr>
-        <p:style>
-          <a:lnRef idx="2">
-            <a:schemeClr val="accent1">
-              <a:shade val="50000"/>
-            </a:schemeClr>
-          </a:lnRef>
-          <a:fillRef idx="1">
-            <a:schemeClr val="accent1"/>
-          </a:fillRef>
-          <a:effectRef idx="0">
-            <a:schemeClr val="accent1"/>
-          </a:effectRef>
-          <a:fontRef idx="minor">
-            <a:schemeClr val="lt1"/>
-          </a:fontRef>
-        </p:style>
-        <p:txBody>
-          <a:bodyPr rtlCol="0" anchor="ctr"/>
-          <a:lstStyle/>
-          <a:p>
-            <a:pPr algn="ctr"/>
-            <a:endParaRPr lang="pt-BR"/>
-          </a:p>
-        </p:txBody>
-      </p:sp>
-      <p:sp>
-        <p:nvSpPr>
-          <p:cNvPr id="8" name="Seta para a esquerda e para a direita 7"/>
-          <p:cNvSpPr/>
-          <p:nvPr/>
-        </p:nvSpPr>
-        <p:spPr>
-          <a:xfrm>
-            <a:off x="2307936" y="3140968"/>
-            <a:ext cx="1204280" cy="576064"/>
-          </a:xfrm>
-          <a:prstGeom prst="leftRightArrow">
-            <a:avLst/>
-          </a:prstGeom>
-          <a:solidFill>
-            <a:srgbClr val="D80027"/>
-          </a:solidFill>
-          <a:ln>
-            <a:solidFill>
-              <a:schemeClr val="tx1">
-                <a:lumMod val="85000"/>
-                <a:lumOff val="15000"/>
-              </a:schemeClr>
-            </a:solidFill>
-          </a:ln>
-        </p:spPr>
-        <p:style>
-          <a:lnRef idx="2">
-            <a:schemeClr val="accent1">
-              <a:shade val="50000"/>
-            </a:schemeClr>
-          </a:lnRef>
-          <a:fillRef idx="1">
-            <a:schemeClr val="accent1"/>
-          </a:fillRef>
-          <a:effectRef idx="0">
-            <a:schemeClr val="accent1"/>
-          </a:effectRef>
-          <a:fontRef idx="minor">
-            <a:schemeClr val="lt1"/>
-          </a:fontRef>
-        </p:style>
-        <p:txBody>
-          <a:bodyPr rtlCol="0" anchor="ctr"/>
-          <a:lstStyle/>
-          <a:p>
-            <a:pPr algn="ctr"/>
-            <a:endParaRPr lang="pt-BR"/>
-          </a:p>
-        </p:txBody>
-      </p:sp>
-      <p:sp>
-        <p:nvSpPr>
-          <p:cNvPr id="12" name="Retângulo de cantos arredondados 11"/>
-          <p:cNvSpPr/>
-          <p:nvPr/>
-        </p:nvSpPr>
-        <p:spPr>
-          <a:xfrm>
-            <a:off x="3512216" y="2439000"/>
-            <a:ext cx="2160000" cy="1980000"/>
-          </a:xfrm>
-          <a:prstGeom prst="roundRect">
-            <a:avLst/>
-          </a:prstGeom>
-          <a:solidFill>
-            <a:schemeClr val="bg1"/>
-          </a:solidFill>
-          <a:ln>
-            <a:solidFill>
-              <a:srgbClr val="D80027"/>
-            </a:solidFill>
-          </a:ln>
-        </p:spPr>
-        <p:style>
-          <a:lnRef idx="2">
-            <a:schemeClr val="accent1">
-              <a:shade val="50000"/>
-            </a:schemeClr>
-          </a:lnRef>
-          <a:fillRef idx="1">
-            <a:schemeClr val="accent1"/>
-          </a:fillRef>
-          <a:effectRef idx="0">
-            <a:schemeClr val="accent1"/>
-          </a:effectRef>
-          <a:fontRef idx="minor">
-            <a:schemeClr val="lt1"/>
-          </a:fontRef>
-        </p:style>
-        <p:txBody>
-          <a:bodyPr rtlCol="0" anchor="ctr"/>
-          <a:lstStyle/>
-          <a:p>
-            <a:pPr algn="ctr"/>
-            <a:endParaRPr lang="pt-BR"/>
-          </a:p>
-        </p:txBody>
-      </p:sp>
-      <p:sp>
-        <p:nvSpPr>
-          <p:cNvPr id="13" name="Retângulo de cantos arredondados 12"/>
-          <p:cNvSpPr/>
-          <p:nvPr/>
-        </p:nvSpPr>
-        <p:spPr>
-          <a:xfrm>
-            <a:off x="6876496" y="2420888"/>
-            <a:ext cx="2160000" cy="1980000"/>
-          </a:xfrm>
-          <a:prstGeom prst="roundRect">
-            <a:avLst/>
-          </a:prstGeom>
-          <a:solidFill>
-            <a:schemeClr val="bg1"/>
-          </a:solidFill>
-          <a:ln>
-            <a:solidFill>
-              <a:srgbClr val="D80027"/>
-            </a:solidFill>
-          </a:ln>
-        </p:spPr>
-        <p:style>
-          <a:lnRef idx="2">
-            <a:schemeClr val="accent1">
-              <a:shade val="50000"/>
-            </a:schemeClr>
-          </a:lnRef>
-          <a:fillRef idx="1">
-            <a:schemeClr val="accent1"/>
-          </a:fillRef>
-          <a:effectRef idx="0">
-            <a:schemeClr val="accent1"/>
-          </a:effectRef>
-          <a:fontRef idx="minor">
-            <a:schemeClr val="lt1"/>
-          </a:fontRef>
-        </p:style>
-        <p:txBody>
-          <a:bodyPr rtlCol="0" anchor="ctr"/>
-          <a:lstStyle/>
-          <a:p>
-            <a:pPr algn="ctr"/>
-            <a:endParaRPr lang="pt-BR"/>
-          </a:p>
-        </p:txBody>
-      </p:sp>
-      <p:sp>
-        <p:nvSpPr>
-          <p:cNvPr id="14" name="Seta para a esquerda e para a direita 13"/>
-          <p:cNvSpPr/>
-          <p:nvPr/>
-        </p:nvSpPr>
-        <p:spPr>
-          <a:xfrm>
-            <a:off x="5672216" y="3122856"/>
-            <a:ext cx="1204280" cy="576064"/>
-          </a:xfrm>
-          <a:prstGeom prst="leftRightArrow">
-            <a:avLst/>
-          </a:prstGeom>
-          <a:solidFill>
-            <a:srgbClr val="D80027"/>
-          </a:solidFill>
-          <a:ln>
-            <a:solidFill>
-              <a:schemeClr val="tx1">
-                <a:lumMod val="85000"/>
-                <a:lumOff val="15000"/>
-              </a:schemeClr>
-            </a:solidFill>
-          </a:ln>
-        </p:spPr>
-        <p:style>
-          <a:lnRef idx="2">
-            <a:schemeClr val="accent1">
-              <a:shade val="50000"/>
-            </a:schemeClr>
-          </a:lnRef>
-          <a:fillRef idx="1">
-            <a:schemeClr val="accent1"/>
-          </a:fillRef>
-          <a:effectRef idx="0">
-            <a:schemeClr val="accent1"/>
-          </a:effectRef>
-          <a:fontRef idx="minor">
-            <a:schemeClr val="lt1"/>
-          </a:fontRef>
-        </p:style>
-        <p:txBody>
-          <a:bodyPr rtlCol="0" anchor="ctr"/>
-          <a:lstStyle/>
-          <a:p>
-            <a:pPr algn="ctr"/>
-            <a:endParaRPr lang="pt-BR"/>
-          </a:p>
-        </p:txBody>
-      </p:sp>
-      <p:pic>
-        <p:nvPicPr>
-          <p:cNvPr id="1029" name="Picture 5" descr="C:\Users\Eduardo\Downloads\1200px-Node.js_logo.svg.png"/>
-          <p:cNvPicPr>
-            <a:picLocks noChangeAspect="1" noChangeArrowheads="1"/>
-          </p:cNvPicPr>
-          <p:nvPr/>
-        </p:nvPicPr>
-        <p:blipFill>
-          <a:blip r:embed="rId2" cstate="print">
-            <a:extLst>
-              <a:ext uri="{28A0092B-C50C-407E-A947-70E740481C1C}">
-                <a14:useLocalDpi xmlns:a14="http://schemas.microsoft.com/office/drawing/2010/main" val="0"/>
-              </a:ext>
-            </a:extLst>
-          </a:blip>
-          <a:srcRect/>
-          <a:stretch>
-            <a:fillRect/>
-          </a:stretch>
-        </p:blipFill>
-        <p:spPr bwMode="auto">
-          <a:xfrm>
-            <a:off x="3965150" y="3578351"/>
-            <a:ext cx="1253106" cy="766483"/>
-          </a:xfrm>
-          <a:prstGeom prst="rect">
-            <a:avLst/>
-          </a:prstGeom>
-          <a:noFill/>
-          <a:extLst>
-            <a:ext uri="{909E8E84-426E-40DD-AFC4-6F175D3DCCD1}">
-              <a14:hiddenFill xmlns:a14="http://schemas.microsoft.com/office/drawing/2010/main">
-                <a:solidFill>
-                  <a:srgbClr val="FFFFFF"/>
-                </a:solidFill>
-              </a14:hiddenFill>
-            </a:ext>
-          </a:extLst>
-        </p:spPr>
-      </p:pic>
-      <p:pic>
-        <p:nvPicPr>
-          <p:cNvPr id="1030" name="Picture 6" descr="C:\Users\Eduardo\Downloads\mysql-logo_2800x2800_pixels1.png"/>
-          <p:cNvPicPr>
-            <a:picLocks noChangeAspect="1" noChangeArrowheads="1"/>
-          </p:cNvPicPr>
-          <p:nvPr/>
-        </p:nvPicPr>
-        <p:blipFill>
-          <a:blip r:embed="rId3" cstate="print">
-            <a:extLst>
-              <a:ext uri="{28A0092B-C50C-407E-A947-70E740481C1C}">
-                <a14:useLocalDpi xmlns:a14="http://schemas.microsoft.com/office/drawing/2010/main" val="0"/>
-              </a:ext>
-            </a:extLst>
-          </a:blip>
-          <a:srcRect/>
-          <a:stretch>
-            <a:fillRect/>
-          </a:stretch>
-        </p:blipFill>
-        <p:spPr bwMode="auto">
-          <a:xfrm>
-            <a:off x="83243" y="2492896"/>
-            <a:ext cx="2289386" cy="2289386"/>
-          </a:xfrm>
-          <a:prstGeom prst="rect">
-            <a:avLst/>
-          </a:prstGeom>
-          <a:noFill/>
-          <a:extLst>
-            <a:ext uri="{909E8E84-426E-40DD-AFC4-6F175D3DCCD1}">
-              <a14:hiddenFill xmlns:a14="http://schemas.microsoft.com/office/drawing/2010/main">
-                <a:solidFill>
-                  <a:srgbClr val="FFFFFF"/>
-                </a:solidFill>
-              </a14:hiddenFill>
-            </a:ext>
-          </a:extLst>
-        </p:spPr>
-      </p:pic>
-      <p:pic>
-        <p:nvPicPr>
-          <p:cNvPr id="1031" name="Picture 7" descr="C:\Users\Eduardo\Downloads\angularjs-logo.png"/>
-          <p:cNvPicPr>
-            <a:picLocks noChangeAspect="1" noChangeArrowheads="1"/>
-          </p:cNvPicPr>
-          <p:nvPr/>
-        </p:nvPicPr>
-        <p:blipFill>
-          <a:blip r:embed="rId4" cstate="print">
-            <a:extLst>
-              <a:ext uri="{28A0092B-C50C-407E-A947-70E740481C1C}">
-                <a14:useLocalDpi xmlns:a14="http://schemas.microsoft.com/office/drawing/2010/main" val="0"/>
-              </a:ext>
-            </a:extLst>
-          </a:blip>
-          <a:srcRect/>
-          <a:stretch>
-            <a:fillRect/>
-          </a:stretch>
-        </p:blipFill>
-        <p:spPr bwMode="auto">
-          <a:xfrm>
-            <a:off x="6871979" y="2926469"/>
-            <a:ext cx="2164081" cy="1422110"/>
-          </a:xfrm>
-          <a:prstGeom prst="rect">
-            <a:avLst/>
-          </a:prstGeom>
-          <a:noFill/>
-          <a:extLst>
-            <a:ext uri="{909E8E84-426E-40DD-AFC4-6F175D3DCCD1}">
-              <a14:hiddenFill xmlns:a14="http://schemas.microsoft.com/office/drawing/2010/main">
-                <a:solidFill>
-                  <a:srgbClr val="FFFFFF"/>
-                </a:solidFill>
-              </a14:hiddenFill>
-            </a:ext>
-          </a:extLst>
-        </p:spPr>
-      </p:pic>
-      <p:sp>
-        <p:nvSpPr>
-          <p:cNvPr id="15" name="CaixaDeTexto 14"/>
-          <p:cNvSpPr txBox="1"/>
-          <p:nvPr/>
-        </p:nvSpPr>
-        <p:spPr>
-          <a:xfrm>
-            <a:off x="252005" y="2605922"/>
-            <a:ext cx="1951861" cy="369332"/>
-          </a:xfrm>
-          <a:prstGeom prst="rect">
-            <a:avLst/>
-          </a:prstGeom>
-          <a:ln>
-            <a:solidFill>
-              <a:schemeClr val="bg1"/>
-            </a:solidFill>
-          </a:ln>
-        </p:spPr>
-        <p:style>
-          <a:lnRef idx="2">
-            <a:schemeClr val="accent2"/>
-          </a:lnRef>
-          <a:fillRef idx="1">
-            <a:schemeClr val="lt1"/>
-          </a:fillRef>
-          <a:effectRef idx="0">
-            <a:schemeClr val="accent2"/>
-          </a:effectRef>
-          <a:fontRef idx="minor">
-            <a:schemeClr val="dk1"/>
-          </a:fontRef>
-        </p:style>
-        <p:txBody>
-          <a:bodyPr wrap="square" rtlCol="0">
-            <a:spAutoFit/>
-          </a:bodyPr>
-          <a:lstStyle/>
-          <a:p>
-            <a:pPr algn="ctr"/>
-            <a:r>
-              <a:rPr lang="pt-BR" dirty="0" smtClean="0">
-                <a:ln>
-                  <a:solidFill>
-                    <a:schemeClr val="tx1">
-                      <a:lumMod val="75000"/>
-                      <a:lumOff val="25000"/>
-                    </a:schemeClr>
-                  </a:solidFill>
-                </a:ln>
-                <a:solidFill>
-                  <a:srgbClr val="D80027"/>
-                </a:solidFill>
-                <a:latin typeface="Eras Demi ITC" panose="020B0805030504020804" pitchFamily="34" charset="0"/>
-                <a:ea typeface="Segoe UI Black" panose="020B0A02040204020203" pitchFamily="34" charset="0"/>
-                <a:cs typeface="Segoe UI Black" panose="020B0A02040204020203" pitchFamily="34" charset="0"/>
-              </a:rPr>
-              <a:t>Banco de dados</a:t>
-            </a:r>
-            <a:endParaRPr lang="pt-BR" dirty="0">
-              <a:ln>
-                <a:solidFill>
-                  <a:schemeClr val="tx1">
-                    <a:lumMod val="75000"/>
-                    <a:lumOff val="25000"/>
-                  </a:schemeClr>
-                </a:solidFill>
-              </a:ln>
-              <a:solidFill>
-                <a:srgbClr val="D80027"/>
-              </a:solidFill>
-              <a:latin typeface="Eras Demi ITC" panose="020B0805030504020804" pitchFamily="34" charset="0"/>
-              <a:ea typeface="Segoe UI Black" panose="020B0A02040204020203" pitchFamily="34" charset="0"/>
-              <a:cs typeface="Segoe UI Black" panose="020B0A02040204020203" pitchFamily="34" charset="0"/>
-            </a:endParaRPr>
-          </a:p>
-        </p:txBody>
-      </p:sp>
-      <p:sp>
-        <p:nvSpPr>
-          <p:cNvPr id="16" name="CaixaDeTexto 15"/>
-          <p:cNvSpPr txBox="1"/>
-          <p:nvPr/>
-        </p:nvSpPr>
-        <p:spPr>
-          <a:xfrm>
-            <a:off x="6980565" y="2593335"/>
-            <a:ext cx="1951861" cy="369332"/>
-          </a:xfrm>
-          <a:prstGeom prst="rect">
-            <a:avLst/>
-          </a:prstGeom>
-          <a:ln>
-            <a:solidFill>
-              <a:schemeClr val="bg1"/>
-            </a:solidFill>
-          </a:ln>
-        </p:spPr>
-        <p:style>
-          <a:lnRef idx="2">
-            <a:schemeClr val="accent2"/>
-          </a:lnRef>
-          <a:fillRef idx="1">
-            <a:schemeClr val="lt1"/>
-          </a:fillRef>
-          <a:effectRef idx="0">
-            <a:schemeClr val="accent2"/>
-          </a:effectRef>
-          <a:fontRef idx="minor">
-            <a:schemeClr val="dk1"/>
-          </a:fontRef>
-        </p:style>
-        <p:txBody>
-          <a:bodyPr wrap="square" rtlCol="0">
-            <a:spAutoFit/>
-          </a:bodyPr>
-          <a:lstStyle/>
-          <a:p>
-            <a:pPr algn="ctr"/>
-            <a:r>
-              <a:rPr lang="pt-BR" dirty="0">
-                <a:ln>
-                  <a:solidFill>
-                    <a:schemeClr val="tx1">
-                      <a:lumMod val="75000"/>
-                      <a:lumOff val="25000"/>
-                    </a:schemeClr>
-                  </a:solidFill>
-                </a:ln>
-                <a:solidFill>
-                  <a:srgbClr val="D80027"/>
-                </a:solidFill>
-                <a:latin typeface="Eras Demi ITC" panose="020B0805030504020804" pitchFamily="34" charset="0"/>
-                <a:ea typeface="Segoe UI Black" panose="020B0A02040204020203" pitchFamily="34" charset="0"/>
-                <a:cs typeface="Segoe UI Black" panose="020B0A02040204020203" pitchFamily="34" charset="0"/>
-              </a:rPr>
-              <a:t>F</a:t>
-            </a:r>
-            <a:r>
-              <a:rPr lang="pt-BR" dirty="0" smtClean="0">
-                <a:ln>
-                  <a:solidFill>
-                    <a:schemeClr val="tx1">
-                      <a:lumMod val="75000"/>
-                      <a:lumOff val="25000"/>
-                    </a:schemeClr>
-                  </a:solidFill>
-                </a:ln>
-                <a:solidFill>
-                  <a:srgbClr val="D80027"/>
-                </a:solidFill>
-                <a:latin typeface="Eras Demi ITC" panose="020B0805030504020804" pitchFamily="34" charset="0"/>
-                <a:ea typeface="Segoe UI Black" panose="020B0A02040204020203" pitchFamily="34" charset="0"/>
-                <a:cs typeface="Segoe UI Black" panose="020B0A02040204020203" pitchFamily="34" charset="0"/>
-              </a:rPr>
-              <a:t>ront-</a:t>
-            </a:r>
-            <a:r>
-              <a:rPr lang="pt-BR" dirty="0" err="1" smtClean="0">
-                <a:ln>
-                  <a:solidFill>
-                    <a:schemeClr val="tx1">
-                      <a:lumMod val="75000"/>
-                      <a:lumOff val="25000"/>
-                    </a:schemeClr>
-                  </a:solidFill>
-                </a:ln>
-                <a:solidFill>
-                  <a:srgbClr val="D80027"/>
-                </a:solidFill>
-                <a:latin typeface="Eras Demi ITC" panose="020B0805030504020804" pitchFamily="34" charset="0"/>
-                <a:ea typeface="Segoe UI Black" panose="020B0A02040204020203" pitchFamily="34" charset="0"/>
-                <a:cs typeface="Segoe UI Black" panose="020B0A02040204020203" pitchFamily="34" charset="0"/>
-              </a:rPr>
-              <a:t>end</a:t>
-            </a:r>
-            <a:endParaRPr lang="pt-BR" dirty="0">
-              <a:ln>
-                <a:solidFill>
-                  <a:schemeClr val="tx1">
-                    <a:lumMod val="75000"/>
-                    <a:lumOff val="25000"/>
-                  </a:schemeClr>
-                </a:solidFill>
-              </a:ln>
-              <a:solidFill>
-                <a:srgbClr val="D80027"/>
-              </a:solidFill>
-              <a:latin typeface="Eras Demi ITC" panose="020B0805030504020804" pitchFamily="34" charset="0"/>
-              <a:ea typeface="Segoe UI Black" panose="020B0A02040204020203" pitchFamily="34" charset="0"/>
-              <a:cs typeface="Segoe UI Black" panose="020B0A02040204020203" pitchFamily="34" charset="0"/>
-            </a:endParaRPr>
-          </a:p>
-        </p:txBody>
-      </p:sp>
-      <p:sp>
-        <p:nvSpPr>
-          <p:cNvPr id="17" name="CaixaDeTexto 16"/>
-          <p:cNvSpPr txBox="1"/>
-          <p:nvPr/>
-        </p:nvSpPr>
-        <p:spPr>
-          <a:xfrm>
-            <a:off x="3615773" y="2593335"/>
-            <a:ext cx="1951861" cy="369332"/>
-          </a:xfrm>
-          <a:prstGeom prst="rect">
-            <a:avLst/>
-          </a:prstGeom>
-          <a:ln>
-            <a:solidFill>
-              <a:schemeClr val="bg1"/>
-            </a:solidFill>
-          </a:ln>
-        </p:spPr>
-        <p:style>
-          <a:lnRef idx="2">
-            <a:schemeClr val="accent2"/>
-          </a:lnRef>
-          <a:fillRef idx="1">
-            <a:schemeClr val="lt1"/>
-          </a:fillRef>
-          <a:effectRef idx="0">
-            <a:schemeClr val="accent2"/>
-          </a:effectRef>
-          <a:fontRef idx="minor">
-            <a:schemeClr val="dk1"/>
-          </a:fontRef>
-        </p:style>
-        <p:txBody>
-          <a:bodyPr wrap="square" rtlCol="0">
-            <a:spAutoFit/>
-          </a:bodyPr>
-          <a:lstStyle/>
-          <a:p>
-            <a:pPr algn="ctr"/>
-            <a:r>
-              <a:rPr lang="pt-BR" dirty="0" smtClean="0">
-                <a:ln>
-                  <a:solidFill>
-                    <a:schemeClr val="tx1">
-                      <a:lumMod val="75000"/>
-                      <a:lumOff val="25000"/>
-                    </a:schemeClr>
-                  </a:solidFill>
-                </a:ln>
-                <a:solidFill>
-                  <a:srgbClr val="D80027"/>
-                </a:solidFill>
-                <a:latin typeface="Eras Demi ITC" panose="020B0805030504020804" pitchFamily="34" charset="0"/>
-                <a:ea typeface="Segoe UI Black" panose="020B0A02040204020203" pitchFamily="34" charset="0"/>
-                <a:cs typeface="Segoe UI Black" panose="020B0A02040204020203" pitchFamily="34" charset="0"/>
-              </a:rPr>
-              <a:t>Back-</a:t>
-            </a:r>
-            <a:r>
-              <a:rPr lang="pt-BR" dirty="0" err="1" smtClean="0">
-                <a:ln>
-                  <a:solidFill>
-                    <a:schemeClr val="tx1">
-                      <a:lumMod val="75000"/>
-                      <a:lumOff val="25000"/>
-                    </a:schemeClr>
-                  </a:solidFill>
-                </a:ln>
-                <a:solidFill>
-                  <a:srgbClr val="D80027"/>
-                </a:solidFill>
-                <a:latin typeface="Eras Demi ITC" panose="020B0805030504020804" pitchFamily="34" charset="0"/>
-                <a:ea typeface="Segoe UI Black" panose="020B0A02040204020203" pitchFamily="34" charset="0"/>
-                <a:cs typeface="Segoe UI Black" panose="020B0A02040204020203" pitchFamily="34" charset="0"/>
-              </a:rPr>
-              <a:t>end</a:t>
-            </a:r>
-            <a:endParaRPr lang="pt-BR" dirty="0">
-              <a:ln>
-                <a:solidFill>
-                  <a:schemeClr val="tx1">
-                    <a:lumMod val="75000"/>
-                    <a:lumOff val="25000"/>
-                  </a:schemeClr>
-                </a:solidFill>
-              </a:ln>
-              <a:solidFill>
-                <a:srgbClr val="D80027"/>
-              </a:solidFill>
-              <a:latin typeface="Eras Demi ITC" panose="020B0805030504020804" pitchFamily="34" charset="0"/>
-              <a:ea typeface="Segoe UI Black" panose="020B0A02040204020203" pitchFamily="34" charset="0"/>
-              <a:cs typeface="Segoe UI Black" panose="020B0A02040204020203" pitchFamily="34" charset="0"/>
-            </a:endParaRPr>
-          </a:p>
-        </p:txBody>
-      </p:sp>
-      <p:pic>
-        <p:nvPicPr>
-          <p:cNvPr id="1026" name="Picture 2" descr="C:\Users\Eduardo\Downloads\express.png"/>
-          <p:cNvPicPr>
-            <a:picLocks noChangeAspect="1" noChangeArrowheads="1"/>
-          </p:cNvPicPr>
-          <p:nvPr/>
-        </p:nvPicPr>
-        <p:blipFill>
-          <a:blip r:embed="rId5" cstate="print">
-            <a:extLst>
-              <a:ext uri="{28A0092B-C50C-407E-A947-70E740481C1C}">
-                <a14:useLocalDpi xmlns:a14="http://schemas.microsoft.com/office/drawing/2010/main" val="0"/>
-              </a:ext>
-            </a:extLst>
-          </a:blip>
-          <a:srcRect/>
-          <a:stretch>
-            <a:fillRect/>
-          </a:stretch>
-        </p:blipFill>
-        <p:spPr bwMode="auto">
-          <a:xfrm>
-            <a:off x="3907627" y="3251513"/>
-            <a:ext cx="1368152" cy="304510"/>
-          </a:xfrm>
-          <a:prstGeom prst="rect">
-            <a:avLst/>
-          </a:prstGeom>
-          <a:noFill/>
-          <a:extLst>
-            <a:ext uri="{909E8E84-426E-40DD-AFC4-6F175D3DCCD1}">
-              <a14:hiddenFill xmlns:a14="http://schemas.microsoft.com/office/drawing/2010/main">
-                <a:solidFill>
-                  <a:srgbClr val="FFFFFF"/>
-                </a:solidFill>
-              </a14:hiddenFill>
-            </a:ext>
-          </a:extLst>
-        </p:spPr>
-      </p:pic>
-      <p:pic>
-        <p:nvPicPr>
-          <p:cNvPr id="2" name="Picture 2" descr="C:\Users\Eduardo\Documents\Projects\ProntuBox - AC8\prontubox\Media\logo_black.png"/>
-          <p:cNvPicPr>
-            <a:picLocks noChangeAspect="1" noChangeArrowheads="1"/>
-          </p:cNvPicPr>
-          <p:nvPr/>
-        </p:nvPicPr>
-        <p:blipFill>
-          <a:blip r:embed="rId6">
-            <a:extLst>
-              <a:ext uri="{28A0092B-C50C-407E-A947-70E740481C1C}">
-                <a14:useLocalDpi xmlns:a14="http://schemas.microsoft.com/office/drawing/2010/main" val="0"/>
-              </a:ext>
-            </a:extLst>
-          </a:blip>
-          <a:srcRect/>
-          <a:stretch>
-            <a:fillRect/>
-          </a:stretch>
-        </p:blipFill>
-        <p:spPr bwMode="auto">
-          <a:xfrm>
-            <a:off x="3794695" y="5589240"/>
-            <a:ext cx="5457825" cy="1476375"/>
-          </a:xfrm>
-          <a:prstGeom prst="rect">
-            <a:avLst/>
-          </a:prstGeom>
-          <a:noFill/>
-          <a:extLst>
-            <a:ext uri="{909E8E84-426E-40DD-AFC4-6F175D3DCCD1}">
-              <a14:hiddenFill xmlns:a14="http://schemas.microsoft.com/office/drawing/2010/main">
-                <a:solidFill>
-                  <a:srgbClr val="FFFFFF"/>
-                </a:solidFill>
-              </a14:hiddenFill>
-            </a:ext>
-          </a:extLst>
-        </p:spPr>
-      </p:pic>
-    </p:spTree>
-    <p:extLst>
-      <p:ext uri="{BB962C8B-B14F-4D97-AF65-F5344CB8AC3E}">
-        <p14:creationId xmlns:p14="http://schemas.microsoft.com/office/powerpoint/2010/main" val="4008489074"/>
-      </p:ext>
-    </p:extLst>
-  </p:cSld>
-  <p:clrMapOvr>
-    <a:masterClrMapping/>
-  </p:clrMapOvr>
-  <p:timing>
-    <p:tnLst>
-      <p:par>
-        <p:cTn id="1" dur="indefinite" restart="never" nodeType="tmRoot"/>
-      </p:par>
-    </p:tnLst>
-  </p:timing>
-</p:sld>
-</file>
-
-<file path=ppt/slides/slide3.xml><?xml version="1.0" encoding="utf-8"?>
-<p:sld xmlns:a="http://schemas.openxmlformats.org/drawingml/2006/main" xmlns:r="http://schemas.openxmlformats.org/officeDocument/2006/relationships" xmlns:p="http://schemas.openxmlformats.org/presentationml/2006/main">
-  <p:cSld>
-    <p:spTree>
-      <p:nvGrpSpPr>
-        <p:cNvPr id="1" name=""/>
-        <p:cNvGrpSpPr/>
-        <p:nvPr/>
-      </p:nvGrpSpPr>
-      <p:grpSpPr>
-        <a:xfrm>
-          <a:off x="0" y="0"/>
-          <a:ext cx="0" cy="0"/>
-          <a:chOff x="0" y="0"/>
-          <a:chExt cx="0" cy="0"/>
-        </a:xfrm>
-      </p:grpSpPr>
-      <p:pic>
-        <p:nvPicPr>
-          <p:cNvPr id="5" name="Picture 8" descr="C:\Users\Eduardo\Downloads\medical-stethoscope-variant.png"/>
-          <p:cNvPicPr>
-            <a:picLocks noChangeAspect="1" noChangeArrowheads="1"/>
-          </p:cNvPicPr>
-          <p:nvPr/>
-        </p:nvPicPr>
-        <p:blipFill>
-          <a:blip r:embed="rId2" cstate="print">
-            <a:extLst>
-              <a:ext uri="{28A0092B-C50C-407E-A947-70E740481C1C}">
-                <a14:useLocalDpi xmlns:a14="http://schemas.microsoft.com/office/drawing/2010/main" val="0"/>
-              </a:ext>
-            </a:extLst>
-          </a:blip>
-          <a:srcRect/>
-          <a:stretch>
-            <a:fillRect/>
-          </a:stretch>
-        </p:blipFill>
-        <p:spPr bwMode="auto">
-          <a:xfrm>
-            <a:off x="6717423" y="3653239"/>
-            <a:ext cx="1717784" cy="1717784"/>
-          </a:xfrm>
-          <a:prstGeom prst="rect">
-            <a:avLst/>
-          </a:prstGeom>
-          <a:noFill/>
-          <a:extLst>
-            <a:ext uri="{909E8E84-426E-40DD-AFC4-6F175D3DCCD1}">
-              <a14:hiddenFill xmlns:a14="http://schemas.microsoft.com/office/drawing/2010/main">
-                <a:solidFill>
-                  <a:srgbClr val="FFFFFF"/>
-                </a:solidFill>
-              </a14:hiddenFill>
-            </a:ext>
-          </a:extLst>
-        </p:spPr>
-      </p:pic>
-      <p:pic>
-        <p:nvPicPr>
-          <p:cNvPr id="1030" name="Picture 6" descr="C:\Users\Eduardo\Downloads\documents.png"/>
-          <p:cNvPicPr>
-            <a:picLocks noChangeAspect="1" noChangeArrowheads="1"/>
-          </p:cNvPicPr>
-          <p:nvPr/>
-        </p:nvPicPr>
-        <p:blipFill>
-          <a:blip r:embed="rId3" cstate="print">
-            <a:extLst>
-              <a:ext uri="{28A0092B-C50C-407E-A947-70E740481C1C}">
-                <a14:useLocalDpi xmlns:a14="http://schemas.microsoft.com/office/drawing/2010/main" val="0"/>
-              </a:ext>
-            </a:extLst>
-          </a:blip>
-          <a:srcRect/>
-          <a:stretch>
-            <a:fillRect/>
-          </a:stretch>
-        </p:blipFill>
-        <p:spPr bwMode="auto">
-          <a:xfrm>
-            <a:off x="4133541" y="3095289"/>
-            <a:ext cx="1225077" cy="1225077"/>
-          </a:xfrm>
-          <a:prstGeom prst="rect">
-            <a:avLst/>
-          </a:prstGeom>
-          <a:noFill/>
-          <a:extLst>
-            <a:ext uri="{909E8E84-426E-40DD-AFC4-6F175D3DCCD1}">
-              <a14:hiddenFill xmlns:a14="http://schemas.microsoft.com/office/drawing/2010/main">
-                <a:solidFill>
-                  <a:srgbClr val="FFFFFF"/>
-                </a:solidFill>
-              </a14:hiddenFill>
-            </a:ext>
-          </a:extLst>
-        </p:spPr>
-      </p:pic>
-      <p:sp>
-        <p:nvSpPr>
-          <p:cNvPr id="4" name="CaixaDeTexto 3"/>
-          <p:cNvSpPr txBox="1"/>
-          <p:nvPr/>
-        </p:nvSpPr>
-        <p:spPr>
-          <a:xfrm>
-            <a:off x="36449" y="3095289"/>
-            <a:ext cx="4319527" cy="1446550"/>
-          </a:xfrm>
-          <a:prstGeom prst="rect">
-            <a:avLst/>
-          </a:prstGeom>
-          <a:noFill/>
-        </p:spPr>
-        <p:txBody>
-          <a:bodyPr wrap="square" rtlCol="0">
-            <a:spAutoFit/>
-          </a:bodyPr>
-          <a:lstStyle/>
-          <a:p>
-            <a:r>
-              <a:rPr lang="pt-BR" sz="8800" dirty="0" err="1" smtClean="0">
-                <a:solidFill>
-                  <a:prstClr val="black">
-                    <a:lumMod val="75000"/>
-                    <a:lumOff val="25000"/>
-                  </a:prstClr>
-                </a:solidFill>
-                <a:latin typeface="Skranji" panose="02000000000000000000" pitchFamily="2" charset="0"/>
-                <a:ea typeface="Skranji" panose="02000000000000000000" pitchFamily="2" charset="0"/>
-              </a:rPr>
-              <a:t>Prontu</a:t>
-            </a:r>
-            <a:endParaRPr lang="pt-BR" sz="8800" dirty="0">
-              <a:solidFill>
-                <a:prstClr val="black">
-                  <a:lumMod val="75000"/>
-                  <a:lumOff val="25000"/>
-                </a:prstClr>
-              </a:solidFill>
-              <a:latin typeface="Skranji" panose="02000000000000000000" pitchFamily="2" charset="0"/>
-              <a:ea typeface="Skranji" panose="02000000000000000000" pitchFamily="2" charset="0"/>
-            </a:endParaRPr>
-          </a:p>
-        </p:txBody>
-      </p:sp>
-      <p:sp>
-        <p:nvSpPr>
-          <p:cNvPr id="6" name="CaixaDeTexto 5"/>
-          <p:cNvSpPr txBox="1"/>
-          <p:nvPr/>
-        </p:nvSpPr>
-        <p:spPr>
-          <a:xfrm>
-            <a:off x="5344763" y="3095289"/>
-            <a:ext cx="4319528" cy="1446550"/>
-          </a:xfrm>
-          <a:prstGeom prst="rect">
-            <a:avLst/>
-          </a:prstGeom>
-          <a:noFill/>
-        </p:spPr>
-        <p:txBody>
-          <a:bodyPr wrap="square" rtlCol="0">
-            <a:spAutoFit/>
-          </a:bodyPr>
-          <a:lstStyle/>
-          <a:p>
-            <a:r>
-              <a:rPr lang="pt-BR" sz="8800" dirty="0" smtClean="0">
-                <a:solidFill>
-                  <a:prstClr val="black">
-                    <a:lumMod val="75000"/>
-                    <a:lumOff val="25000"/>
-                  </a:prstClr>
-                </a:solidFill>
-                <a:latin typeface="Skranji" panose="02000000000000000000" pitchFamily="2" charset="0"/>
-                <a:ea typeface="Skranji" panose="02000000000000000000" pitchFamily="2" charset="0"/>
-              </a:rPr>
-              <a:t>Box</a:t>
-            </a:r>
-            <a:endParaRPr lang="pt-BR" sz="8800" dirty="0">
-              <a:solidFill>
-                <a:prstClr val="black">
-                  <a:lumMod val="75000"/>
-                  <a:lumOff val="25000"/>
-                </a:prstClr>
-              </a:solidFill>
-              <a:latin typeface="Skranji" panose="02000000000000000000" pitchFamily="2" charset="0"/>
-              <a:ea typeface="Skranji" panose="02000000000000000000" pitchFamily="2" charset="0"/>
-            </a:endParaRPr>
-          </a:p>
-        </p:txBody>
-      </p:sp>
-    </p:spTree>
-    <p:extLst>
-      <p:ext uri="{BB962C8B-B14F-4D97-AF65-F5344CB8AC3E}">
-        <p14:creationId xmlns:p14="http://schemas.microsoft.com/office/powerpoint/2010/main" val="1073289438"/>
-      </p:ext>
-    </p:extLst>
-  </p:cSld>
-  <p:clrMapOvr>
-    <a:masterClrMapping/>
-  </p:clrMapOvr>
-  <p:timing>
-    <p:tnLst>
-      <p:par>
-        <p:cTn id="1" dur="indefinite" restart="never" nodeType="tmRoot"/>
-      </p:par>
-    </p:tnLst>
-  </p:timing>
-</p:sld>
-</file>
-
-<file path=ppt/slides/slide4.xml><?xml version="1.0" encoding="utf-8"?>
 <p:sld xmlns:a="http://schemas.openxmlformats.org/drawingml/2006/main" xmlns:r="http://schemas.openxmlformats.org/officeDocument/2006/relationships" xmlns:p="http://schemas.openxmlformats.org/presentationml/2006/main">
   <p:cSld>
     <p:bg>
